--- a/project2/ENGI301_project_proposal-2.pptx
+++ b/project2/ENGI301_project_proposal-2.pptx
@@ -218,7 +218,7 @@
           <a:p>
             <a:fld id="{59041DB8-B66F-4DC8-A96E-33677E0F90FF}" type="datetimeFigureOut">
               <a:rPr lang="en-US" smtClean="0"/>
-              <a:t>11/30/20</a:t>
+              <a:t>12/8/20</a:t>
             </a:fld>
             <a:endParaRPr lang="en-US"/>
           </a:p>
@@ -383,7 +383,7 @@
           <a:p>
             <a:fld id="{DEB49C4A-65AC-492D-9701-81B46C3AD0E4}" type="datetimeFigureOut">
               <a:rPr lang="en-US" smtClean="0"/>
-              <a:t>11/30/20</a:t>
+              <a:t>12/8/20</a:t>
             </a:fld>
             <a:endParaRPr lang="en-US"/>
           </a:p>
@@ -2791,7 +2791,7 @@
           <a:p>
             <a:fld id="{384A29A4-78C8-47AB-BA06-22CB45938951}" type="datetime1">
               <a:rPr lang="en-US" smtClean="0"/>
-              <a:t>11/30/20</a:t>
+              <a:t>12/8/20</a:t>
             </a:fld>
             <a:endParaRPr lang="en-US"/>
           </a:p>
@@ -2986,7 +2986,7 @@
           <a:p>
             <a:fld id="{E1ED4ACF-2D82-46F2-A8E9-23963AA34E86}" type="datetime1">
               <a:rPr lang="en-US" smtClean="0"/>
-              <a:t>11/30/20</a:t>
+              <a:t>12/8/20</a:t>
             </a:fld>
             <a:endParaRPr lang="en-US"/>
           </a:p>
@@ -3180,7 +3180,7 @@
           <a:p>
             <a:fld id="{AE374B5B-21A0-4192-BF4C-38187F1A68D8}" type="datetime1">
               <a:rPr lang="en-US" smtClean="0"/>
-              <a:t>11/30/20</a:t>
+              <a:t>12/8/20</a:t>
             </a:fld>
             <a:endParaRPr lang="en-US"/>
           </a:p>
@@ -5521,7 +5521,7 @@
           <a:p>
             <a:fld id="{33B5CF7C-B333-48E1-A4A6-83A3C8B73AC0}" type="datetime1">
               <a:rPr lang="en-US" smtClean="0"/>
-              <a:t>11/30/20</a:t>
+              <a:t>12/8/20</a:t>
             </a:fld>
             <a:endParaRPr lang="en-US"/>
           </a:p>
@@ -5974,7 +5974,7 @@
           <a:p>
             <a:fld id="{AE320762-5CBF-4210-AB54-376B091119F8}" type="datetime1">
               <a:rPr lang="en-US" smtClean="0"/>
-              <a:t>11/30/20</a:t>
+              <a:t>12/8/20</a:t>
             </a:fld>
             <a:endParaRPr lang="en-US"/>
           </a:p>
@@ -6106,7 +6106,7 @@
           <a:p>
             <a:fld id="{7F0DB371-BF5F-4058-A212-1A908E4D2674}" type="datetime1">
               <a:rPr lang="en-US" smtClean="0"/>
-              <a:t>11/30/20</a:t>
+              <a:t>12/8/20</a:t>
             </a:fld>
             <a:endParaRPr lang="en-US"/>
           </a:p>
@@ -8039,7 +8039,7 @@
           <a:p>
             <a:fld id="{60A4083B-90AA-48CF-BAD5-00AA24D7F288}" type="datetime1">
               <a:rPr lang="en-US" smtClean="0"/>
-              <a:t>11/30/20</a:t>
+              <a:t>12/8/20</a:t>
             </a:fld>
             <a:endParaRPr lang="en-US"/>
           </a:p>
@@ -10298,7 +10298,7 @@
             <a:fld id="{F5BAF629-ECA2-4CF3-B790-9D9BDED98269}" type="datetime1">
               <a:rPr lang="en-US" smtClean="0"/>
               <a:pPr/>
-              <a:t>11/30/20</a:t>
+              <a:t>12/8/20</a:t>
             </a:fld>
             <a:endParaRPr lang="en-US"/>
           </a:p>
@@ -14593,7 +14593,7 @@
             <a:fld id="{B51B2453-8663-4C69-AF73-9FD7B1DEC5D0}" type="datetime1">
               <a:rPr lang="en-US" smtClean="0"/>
               <a:pPr/>
-              <a:t>11/30/20</a:t>
+              <a:t>12/8/20</a:t>
             </a:fld>
             <a:endParaRPr lang="en-US" dirty="0"/>
           </a:p>
@@ -17374,8 +17374,8 @@
         </p:nvSpPr>
         <p:spPr>
           <a:xfrm>
-            <a:off x="2667000" y="1641309"/>
-            <a:ext cx="6686550" cy="3575381"/>
+            <a:off x="1364573" y="1426186"/>
+            <a:ext cx="4381500" cy="3575381"/>
           </a:xfrm>
           <a:prstGeom prst="rect">
             <a:avLst/>
@@ -17425,7 +17425,7 @@
         </p:nvSpPr>
         <p:spPr>
           <a:xfrm>
-            <a:off x="2857499" y="1806059"/>
+            <a:off x="1555072" y="1590936"/>
             <a:ext cx="4006746" cy="3222139"/>
           </a:xfrm>
           <a:prstGeom prst="rect">
@@ -17479,7 +17479,7 @@
         </p:nvSpPr>
         <p:spPr>
           <a:xfrm>
-            <a:off x="3943350" y="2946704"/>
+            <a:off x="2640923" y="2731581"/>
             <a:ext cx="1828800" cy="707886"/>
           </a:xfrm>
           <a:prstGeom prst="rect">
@@ -17503,6 +17503,341 @@
       </p:sp>
       <p:sp>
         <p:nvSpPr>
+          <p:cNvPr id="10" name="TextBox 9">
+            <a:extLst>
+              <a:ext uri="{FF2B5EF4-FFF2-40B4-BE49-F238E27FC236}">
+                <a16:creationId xmlns:a16="http://schemas.microsoft.com/office/drawing/2014/main" id="{EBB5E393-566F-5444-A9E1-24EAEBD572E3}"/>
+              </a:ext>
+            </a:extLst>
+          </p:cNvPr>
+          <p:cNvSpPr txBox="1"/>
+          <p:nvPr/>
+        </p:nvSpPr>
+        <p:spPr>
+          <a:xfrm>
+            <a:off x="3040973" y="5288261"/>
+            <a:ext cx="1257300" cy="400110"/>
+          </a:xfrm>
+          <a:prstGeom prst="rect">
+            <a:avLst/>
+          </a:prstGeom>
+          <a:noFill/>
+        </p:spPr>
+        <p:txBody>
+          <a:bodyPr wrap="square" rtlCol="0">
+            <a:spAutoFit/>
+          </a:bodyPr>
+          <a:lstStyle/>
+          <a:p>
+            <a:pPr algn="ctr"/>
+            <a:r>
+              <a:rPr lang="en-US" sz="2000" dirty="0"/>
+              <a:t>1.9”</a:t>
+            </a:r>
+          </a:p>
+        </p:txBody>
+      </p:sp>
+      <p:cxnSp>
+        <p:nvCxnSpPr>
+          <p:cNvPr id="12" name="Straight Arrow Connector 11">
+            <a:extLst>
+              <a:ext uri="{FF2B5EF4-FFF2-40B4-BE49-F238E27FC236}">
+                <a16:creationId xmlns:a16="http://schemas.microsoft.com/office/drawing/2014/main" id="{B4B05720-B3A0-9F44-B65F-AB45D2629238}"/>
+              </a:ext>
+            </a:extLst>
+          </p:cNvPr>
+          <p:cNvCxnSpPr>
+            <a:cxnSpLocks/>
+          </p:cNvCxnSpPr>
+          <p:nvPr/>
+        </p:nvCxnSpPr>
+        <p:spPr>
+          <a:xfrm>
+            <a:off x="1326473" y="5166317"/>
+            <a:ext cx="4419600" cy="0"/>
+          </a:xfrm>
+          <a:prstGeom prst="straightConnector1">
+            <a:avLst/>
+          </a:prstGeom>
+          <a:ln w="38100">
+            <a:solidFill>
+              <a:schemeClr val="tx1"/>
+            </a:solidFill>
+            <a:headEnd type="triangle"/>
+            <a:tailEnd type="triangle"/>
+          </a:ln>
+        </p:spPr>
+        <p:style>
+          <a:lnRef idx="1">
+            <a:schemeClr val="accent1"/>
+          </a:lnRef>
+          <a:fillRef idx="0">
+            <a:schemeClr val="accent1"/>
+          </a:fillRef>
+          <a:effectRef idx="0">
+            <a:schemeClr val="accent1"/>
+          </a:effectRef>
+          <a:fontRef idx="minor">
+            <a:schemeClr val="tx1"/>
+          </a:fontRef>
+        </p:style>
+      </p:cxnSp>
+      <p:cxnSp>
+        <p:nvCxnSpPr>
+          <p:cNvPr id="13" name="Straight Arrow Connector 12">
+            <a:extLst>
+              <a:ext uri="{FF2B5EF4-FFF2-40B4-BE49-F238E27FC236}">
+                <a16:creationId xmlns:a16="http://schemas.microsoft.com/office/drawing/2014/main" id="{A781CD06-C660-8A49-9B92-7E688EE871A4}"/>
+              </a:ext>
+            </a:extLst>
+          </p:cNvPr>
+          <p:cNvCxnSpPr>
+            <a:cxnSpLocks/>
+          </p:cNvCxnSpPr>
+          <p:nvPr/>
+        </p:nvCxnSpPr>
+        <p:spPr>
+          <a:xfrm>
+            <a:off x="5936572" y="1446734"/>
+            <a:ext cx="38100" cy="3566160"/>
+          </a:xfrm>
+          <a:prstGeom prst="straightConnector1">
+            <a:avLst/>
+          </a:prstGeom>
+          <a:ln w="38100">
+            <a:solidFill>
+              <a:schemeClr val="tx1"/>
+            </a:solidFill>
+            <a:headEnd type="triangle"/>
+            <a:tailEnd type="triangle"/>
+          </a:ln>
+        </p:spPr>
+        <p:style>
+          <a:lnRef idx="1">
+            <a:schemeClr val="accent1"/>
+          </a:lnRef>
+          <a:fillRef idx="0">
+            <a:schemeClr val="accent1"/>
+          </a:fillRef>
+          <a:effectRef idx="0">
+            <a:schemeClr val="accent1"/>
+          </a:effectRef>
+          <a:fontRef idx="minor">
+            <a:schemeClr val="tx1"/>
+          </a:fontRef>
+        </p:style>
+      </p:cxnSp>
+      <p:cxnSp>
+        <p:nvCxnSpPr>
+          <p:cNvPr id="14" name="Straight Arrow Connector 13">
+            <a:extLst>
+              <a:ext uri="{FF2B5EF4-FFF2-40B4-BE49-F238E27FC236}">
+                <a16:creationId xmlns:a16="http://schemas.microsoft.com/office/drawing/2014/main" id="{B756954B-286C-E640-89B3-F5FB19659E79}"/>
+              </a:ext>
+            </a:extLst>
+          </p:cNvPr>
+          <p:cNvCxnSpPr/>
+          <p:nvPr/>
+        </p:nvCxnSpPr>
+        <p:spPr>
+          <a:xfrm>
+            <a:off x="793073" y="1956577"/>
+            <a:ext cx="571500" cy="0"/>
+          </a:xfrm>
+          <a:prstGeom prst="straightConnector1">
+            <a:avLst/>
+          </a:prstGeom>
+          <a:ln w="38100">
+            <a:solidFill>
+              <a:schemeClr val="tx1"/>
+            </a:solidFill>
+            <a:tailEnd type="triangle"/>
+          </a:ln>
+        </p:spPr>
+        <p:style>
+          <a:lnRef idx="1">
+            <a:schemeClr val="accent1"/>
+          </a:lnRef>
+          <a:fillRef idx="0">
+            <a:schemeClr val="accent1"/>
+          </a:fillRef>
+          <a:effectRef idx="0">
+            <a:schemeClr val="accent1"/>
+          </a:effectRef>
+          <a:fontRef idx="minor">
+            <a:schemeClr val="tx1"/>
+          </a:fontRef>
+        </p:style>
+      </p:cxnSp>
+      <p:cxnSp>
+        <p:nvCxnSpPr>
+          <p:cNvPr id="15" name="Straight Arrow Connector 14">
+            <a:extLst>
+              <a:ext uri="{FF2B5EF4-FFF2-40B4-BE49-F238E27FC236}">
+                <a16:creationId xmlns:a16="http://schemas.microsoft.com/office/drawing/2014/main" id="{8A6AFCE3-2CAC-404A-9468-761945898EF7}"/>
+              </a:ext>
+            </a:extLst>
+          </p:cNvPr>
+          <p:cNvCxnSpPr>
+            <a:cxnSpLocks/>
+          </p:cNvCxnSpPr>
+          <p:nvPr/>
+        </p:nvCxnSpPr>
+        <p:spPr>
+          <a:xfrm flipH="1">
+            <a:off x="1555072" y="1956577"/>
+            <a:ext cx="571500" cy="0"/>
+          </a:xfrm>
+          <a:prstGeom prst="straightConnector1">
+            <a:avLst/>
+          </a:prstGeom>
+          <a:ln w="38100">
+            <a:solidFill>
+              <a:schemeClr val="tx1"/>
+            </a:solidFill>
+            <a:tailEnd type="triangle"/>
+          </a:ln>
+        </p:spPr>
+        <p:style>
+          <a:lnRef idx="1">
+            <a:schemeClr val="accent1"/>
+          </a:lnRef>
+          <a:fillRef idx="0">
+            <a:schemeClr val="accent1"/>
+          </a:fillRef>
+          <a:effectRef idx="0">
+            <a:schemeClr val="accent1"/>
+          </a:effectRef>
+          <a:fontRef idx="minor">
+            <a:schemeClr val="tx1"/>
+          </a:fontRef>
+        </p:style>
+      </p:cxnSp>
+      <p:sp>
+        <p:nvSpPr>
+          <p:cNvPr id="16" name="TextBox 15">
+            <a:extLst>
+              <a:ext uri="{FF2B5EF4-FFF2-40B4-BE49-F238E27FC236}">
+                <a16:creationId xmlns:a16="http://schemas.microsoft.com/office/drawing/2014/main" id="{7CC8DE30-E6A7-5D42-9E41-6A01E4794CD2}"/>
+              </a:ext>
+            </a:extLst>
+          </p:cNvPr>
+          <p:cNvSpPr txBox="1"/>
+          <p:nvPr/>
+        </p:nvSpPr>
+        <p:spPr>
+          <a:xfrm>
+            <a:off x="-235627" y="1756522"/>
+            <a:ext cx="1257300" cy="400110"/>
+          </a:xfrm>
+          <a:prstGeom prst="rect">
+            <a:avLst/>
+          </a:prstGeom>
+          <a:noFill/>
+        </p:spPr>
+        <p:txBody>
+          <a:bodyPr wrap="square" rtlCol="0">
+            <a:spAutoFit/>
+          </a:bodyPr>
+          <a:lstStyle/>
+          <a:p>
+            <a:pPr algn="ctr"/>
+            <a:r>
+              <a:rPr lang="en-US" sz="2000" dirty="0"/>
+              <a:t>0.11”</a:t>
+            </a:r>
+          </a:p>
+        </p:txBody>
+      </p:sp>
+      <p:sp>
+        <p:nvSpPr>
+          <p:cNvPr id="18" name="TextBox 17">
+            <a:extLst>
+              <a:ext uri="{FF2B5EF4-FFF2-40B4-BE49-F238E27FC236}">
+                <a16:creationId xmlns:a16="http://schemas.microsoft.com/office/drawing/2014/main" id="{BD3EFE6B-2CCF-C940-B5DC-685410210B8F}"/>
+              </a:ext>
+            </a:extLst>
+          </p:cNvPr>
+          <p:cNvSpPr txBox="1"/>
+          <p:nvPr/>
+        </p:nvSpPr>
+        <p:spPr>
+          <a:xfrm>
+            <a:off x="5697961" y="2857500"/>
+            <a:ext cx="1257300" cy="400110"/>
+          </a:xfrm>
+          <a:prstGeom prst="rect">
+            <a:avLst/>
+          </a:prstGeom>
+          <a:noFill/>
+        </p:spPr>
+        <p:txBody>
+          <a:bodyPr wrap="square" rtlCol="0">
+            <a:spAutoFit/>
+          </a:bodyPr>
+          <a:lstStyle/>
+          <a:p>
+            <a:pPr algn="ctr"/>
+            <a:r>
+              <a:rPr lang="en-US" sz="2000" dirty="0"/>
+              <a:t>2.6”</a:t>
+            </a:r>
+          </a:p>
+        </p:txBody>
+      </p:sp>
+      <p:sp>
+        <p:nvSpPr>
+          <p:cNvPr id="17" name="Rectangle 16">
+            <a:extLst>
+              <a:ext uri="{FF2B5EF4-FFF2-40B4-BE49-F238E27FC236}">
+                <a16:creationId xmlns:a16="http://schemas.microsoft.com/office/drawing/2014/main" id="{EEF7008A-BF6B-D54C-8B3E-B5D959DC599F}"/>
+              </a:ext>
+            </a:extLst>
+          </p:cNvPr>
+          <p:cNvSpPr/>
+          <p:nvPr/>
+        </p:nvSpPr>
+        <p:spPr>
+          <a:xfrm>
+            <a:off x="6667500" y="1414314"/>
+            <a:ext cx="4381500" cy="3575381"/>
+          </a:xfrm>
+          <a:prstGeom prst="rect">
+            <a:avLst/>
+          </a:prstGeom>
+          <a:ln w="38100">
+            <a:solidFill>
+              <a:schemeClr val="tx1"/>
+            </a:solidFill>
+          </a:ln>
+        </p:spPr>
+        <p:style>
+          <a:lnRef idx="2">
+            <a:schemeClr val="accent1">
+              <a:shade val="50000"/>
+            </a:schemeClr>
+          </a:lnRef>
+          <a:fillRef idx="1">
+            <a:schemeClr val="accent1"/>
+          </a:fillRef>
+          <a:effectRef idx="0">
+            <a:schemeClr val="accent1"/>
+          </a:effectRef>
+          <a:fontRef idx="minor">
+            <a:schemeClr val="lt1"/>
+          </a:fontRef>
+        </p:style>
+        <p:txBody>
+          <a:bodyPr rtlCol="0" anchor="ctr"/>
+          <a:lstStyle/>
+          <a:p>
+            <a:pPr algn="ctr"/>
+            <a:endParaRPr lang="en-US"/>
+          </a:p>
+        </p:txBody>
+      </p:sp>
+      <p:sp>
+        <p:nvSpPr>
           <p:cNvPr id="8" name="Rectangle 7">
             <a:extLst>
               <a:ext uri="{FF2B5EF4-FFF2-40B4-BE49-F238E27FC236}">
@@ -17515,7 +17850,7 @@
         </p:nvSpPr>
         <p:spPr>
           <a:xfrm rot="5400000">
-            <a:off x="6823007" y="2441507"/>
+            <a:off x="7716508" y="2568282"/>
             <a:ext cx="2537341" cy="1952245"/>
           </a:xfrm>
           <a:prstGeom prst="rect">
@@ -17569,7 +17904,7 @@
         </p:nvSpPr>
         <p:spPr>
           <a:xfrm>
-            <a:off x="7162294" y="3064014"/>
+            <a:off x="8072743" y="3229814"/>
             <a:ext cx="1824869" cy="707886"/>
           </a:xfrm>
           <a:prstGeom prst="rect">
@@ -17601,10 +17936,172 @@
       </p:sp>
       <p:sp>
         <p:nvSpPr>
-          <p:cNvPr id="10" name="TextBox 9">
+          <p:cNvPr id="19" name="Rectangle 18">
             <a:extLst>
               <a:ext uri="{FF2B5EF4-FFF2-40B4-BE49-F238E27FC236}">
-                <a16:creationId xmlns:a16="http://schemas.microsoft.com/office/drawing/2014/main" id="{EBB5E393-566F-5444-A9E1-24EAEBD572E3}"/>
+                <a16:creationId xmlns:a16="http://schemas.microsoft.com/office/drawing/2014/main" id="{FF3B1D6B-ED2F-074C-A076-376CDFF4AB54}"/>
+              </a:ext>
+            </a:extLst>
+          </p:cNvPr>
+          <p:cNvSpPr/>
+          <p:nvPr/>
+        </p:nvSpPr>
+        <p:spPr>
+          <a:xfrm rot="5400000">
+            <a:off x="7226024" y="1170731"/>
+            <a:ext cx="505548" cy="1255927"/>
+          </a:xfrm>
+          <a:prstGeom prst="rect">
+            <a:avLst/>
+          </a:prstGeom>
+          <a:solidFill>
+            <a:schemeClr val="bg1"/>
+          </a:solidFill>
+          <a:ln w="38100">
+            <a:solidFill>
+              <a:schemeClr val="tx1"/>
+            </a:solidFill>
+          </a:ln>
+        </p:spPr>
+        <p:style>
+          <a:lnRef idx="2">
+            <a:schemeClr val="accent1">
+              <a:shade val="50000"/>
+            </a:schemeClr>
+          </a:lnRef>
+          <a:fillRef idx="1">
+            <a:schemeClr val="accent1"/>
+          </a:fillRef>
+          <a:effectRef idx="0">
+            <a:schemeClr val="accent1"/>
+          </a:effectRef>
+          <a:fontRef idx="minor">
+            <a:schemeClr val="lt1"/>
+          </a:fontRef>
+        </p:style>
+        <p:txBody>
+          <a:bodyPr rtlCol="0" anchor="ctr"/>
+          <a:lstStyle/>
+          <a:p>
+            <a:pPr algn="ctr"/>
+            <a:endParaRPr lang="en-US"/>
+          </a:p>
+        </p:txBody>
+      </p:sp>
+      <p:sp>
+        <p:nvSpPr>
+          <p:cNvPr id="20" name="Rectangle 19">
+            <a:extLst>
+              <a:ext uri="{FF2B5EF4-FFF2-40B4-BE49-F238E27FC236}">
+                <a16:creationId xmlns:a16="http://schemas.microsoft.com/office/drawing/2014/main" id="{0488F4C3-3A60-014F-B033-556134F082E9}"/>
+              </a:ext>
+            </a:extLst>
+          </p:cNvPr>
+          <p:cNvSpPr/>
+          <p:nvPr/>
+        </p:nvSpPr>
+        <p:spPr>
+          <a:xfrm rot="5400000">
+            <a:off x="8642890" y="1158623"/>
+            <a:ext cx="505548" cy="1255927"/>
+          </a:xfrm>
+          <a:prstGeom prst="rect">
+            <a:avLst/>
+          </a:prstGeom>
+          <a:solidFill>
+            <a:schemeClr val="bg1"/>
+          </a:solidFill>
+          <a:ln w="38100">
+            <a:solidFill>
+              <a:schemeClr val="tx1"/>
+            </a:solidFill>
+          </a:ln>
+        </p:spPr>
+        <p:style>
+          <a:lnRef idx="2">
+            <a:schemeClr val="accent1">
+              <a:shade val="50000"/>
+            </a:schemeClr>
+          </a:lnRef>
+          <a:fillRef idx="1">
+            <a:schemeClr val="accent1"/>
+          </a:fillRef>
+          <a:effectRef idx="0">
+            <a:schemeClr val="accent1"/>
+          </a:effectRef>
+          <a:fontRef idx="minor">
+            <a:schemeClr val="lt1"/>
+          </a:fontRef>
+        </p:style>
+        <p:txBody>
+          <a:bodyPr rtlCol="0" anchor="ctr"/>
+          <a:lstStyle/>
+          <a:p>
+            <a:pPr algn="ctr"/>
+            <a:endParaRPr lang="en-US"/>
+          </a:p>
+        </p:txBody>
+      </p:sp>
+      <p:sp>
+        <p:nvSpPr>
+          <p:cNvPr id="21" name="Rectangle 20">
+            <a:extLst>
+              <a:ext uri="{FF2B5EF4-FFF2-40B4-BE49-F238E27FC236}">
+                <a16:creationId xmlns:a16="http://schemas.microsoft.com/office/drawing/2014/main" id="{9ADCF8EE-DDBA-A04D-A690-1E5E1410DB61}"/>
+              </a:ext>
+            </a:extLst>
+          </p:cNvPr>
+          <p:cNvSpPr/>
+          <p:nvPr/>
+        </p:nvSpPr>
+        <p:spPr>
+          <a:xfrm rot="5400000">
+            <a:off x="10062628" y="1158623"/>
+            <a:ext cx="505548" cy="1255927"/>
+          </a:xfrm>
+          <a:prstGeom prst="rect">
+            <a:avLst/>
+          </a:prstGeom>
+          <a:solidFill>
+            <a:schemeClr val="bg1"/>
+          </a:solidFill>
+          <a:ln w="38100">
+            <a:solidFill>
+              <a:schemeClr val="tx1"/>
+            </a:solidFill>
+          </a:ln>
+        </p:spPr>
+        <p:style>
+          <a:lnRef idx="2">
+            <a:schemeClr val="accent1">
+              <a:shade val="50000"/>
+            </a:schemeClr>
+          </a:lnRef>
+          <a:fillRef idx="1">
+            <a:schemeClr val="accent1"/>
+          </a:fillRef>
+          <a:effectRef idx="0">
+            <a:schemeClr val="accent1"/>
+          </a:effectRef>
+          <a:fontRef idx="minor">
+            <a:schemeClr val="lt1"/>
+          </a:fontRef>
+        </p:style>
+        <p:txBody>
+          <a:bodyPr rtlCol="0" anchor="ctr"/>
+          <a:lstStyle/>
+          <a:p>
+            <a:pPr algn="ctr"/>
+            <a:endParaRPr lang="en-US"/>
+          </a:p>
+        </p:txBody>
+      </p:sp>
+      <p:sp>
+        <p:nvSpPr>
+          <p:cNvPr id="22" name="TextBox 21">
+            <a:extLst>
+              <a:ext uri="{FF2B5EF4-FFF2-40B4-BE49-F238E27FC236}">
+                <a16:creationId xmlns:a16="http://schemas.microsoft.com/office/drawing/2014/main" id="{A67C22E7-FC2E-5A48-A7DE-AB36101AEFBC}"/>
               </a:ext>
             </a:extLst>
           </p:cNvPr>
@@ -17613,8 +18110,8 @@
         </p:nvSpPr>
         <p:spPr>
           <a:xfrm>
-            <a:off x="5429250" y="5381440"/>
-            <a:ext cx="1257300" cy="400110"/>
+            <a:off x="6555166" y="1590936"/>
+            <a:ext cx="1824869" cy="338554"/>
           </a:xfrm>
           <a:prstGeom prst="rect">
             <a:avLst/>
@@ -17629,194 +18126,25 @@
           <a:p>
             <a:pPr algn="ctr"/>
             <a:r>
-              <a:rPr lang="en-US" sz="2000" dirty="0"/>
-              <a:t>4.1”</a:t>
+              <a:rPr lang="en-US" sz="800" dirty="0"/>
+              <a:t>Light Sensor Connector</a:t>
+            </a:r>
+          </a:p>
+          <a:p>
+            <a:pPr algn="ctr"/>
+            <a:r>
+              <a:rPr lang="en-US" sz="800" dirty="0"/>
+              <a:t>(0.55” x 0.25”)</a:t>
             </a:r>
           </a:p>
         </p:txBody>
       </p:sp>
-      <p:cxnSp>
-        <p:nvCxnSpPr>
-          <p:cNvPr id="12" name="Straight Arrow Connector 11">
+      <p:sp>
+        <p:nvSpPr>
+          <p:cNvPr id="23" name="TextBox 22">
             <a:extLst>
               <a:ext uri="{FF2B5EF4-FFF2-40B4-BE49-F238E27FC236}">
-                <a16:creationId xmlns:a16="http://schemas.microsoft.com/office/drawing/2014/main" id="{B4B05720-B3A0-9F44-B65F-AB45D2629238}"/>
-              </a:ext>
-            </a:extLst>
-          </p:cNvPr>
-          <p:cNvCxnSpPr>
-            <a:cxnSpLocks/>
-          </p:cNvCxnSpPr>
-          <p:nvPr/>
-        </p:nvCxnSpPr>
-        <p:spPr>
-          <a:xfrm>
-            <a:off x="2628900" y="5381440"/>
-            <a:ext cx="6724650" cy="0"/>
-          </a:xfrm>
-          <a:prstGeom prst="straightConnector1">
-            <a:avLst/>
-          </a:prstGeom>
-          <a:ln w="38100">
-            <a:solidFill>
-              <a:schemeClr val="tx1"/>
-            </a:solidFill>
-            <a:headEnd type="triangle"/>
-            <a:tailEnd type="triangle"/>
-          </a:ln>
-        </p:spPr>
-        <p:style>
-          <a:lnRef idx="1">
-            <a:schemeClr val="accent1"/>
-          </a:lnRef>
-          <a:fillRef idx="0">
-            <a:schemeClr val="accent1"/>
-          </a:fillRef>
-          <a:effectRef idx="0">
-            <a:schemeClr val="accent1"/>
-          </a:effectRef>
-          <a:fontRef idx="minor">
-            <a:schemeClr val="tx1"/>
-          </a:fontRef>
-        </p:style>
-      </p:cxnSp>
-      <p:cxnSp>
-        <p:nvCxnSpPr>
-          <p:cNvPr id="13" name="Straight Arrow Connector 12">
-            <a:extLst>
-              <a:ext uri="{FF2B5EF4-FFF2-40B4-BE49-F238E27FC236}">
-                <a16:creationId xmlns:a16="http://schemas.microsoft.com/office/drawing/2014/main" id="{A781CD06-C660-8A49-9B92-7E688EE871A4}"/>
-              </a:ext>
-            </a:extLst>
-          </p:cNvPr>
-          <p:cNvCxnSpPr>
-            <a:cxnSpLocks/>
-          </p:cNvCxnSpPr>
-          <p:nvPr/>
-        </p:nvCxnSpPr>
-        <p:spPr>
-          <a:xfrm>
-            <a:off x="9486900" y="1676400"/>
-            <a:ext cx="38100" cy="3566160"/>
-          </a:xfrm>
-          <a:prstGeom prst="straightConnector1">
-            <a:avLst/>
-          </a:prstGeom>
-          <a:ln w="38100">
-            <a:solidFill>
-              <a:schemeClr val="tx1"/>
-            </a:solidFill>
-            <a:headEnd type="triangle"/>
-            <a:tailEnd type="triangle"/>
-          </a:ln>
-        </p:spPr>
-        <p:style>
-          <a:lnRef idx="1">
-            <a:schemeClr val="accent1"/>
-          </a:lnRef>
-          <a:fillRef idx="0">
-            <a:schemeClr val="accent1"/>
-          </a:fillRef>
-          <a:effectRef idx="0">
-            <a:schemeClr val="accent1"/>
-          </a:effectRef>
-          <a:fontRef idx="minor">
-            <a:schemeClr val="tx1"/>
-          </a:fontRef>
-        </p:style>
-      </p:cxnSp>
-      <p:cxnSp>
-        <p:nvCxnSpPr>
-          <p:cNvPr id="14" name="Straight Arrow Connector 13">
-            <a:extLst>
-              <a:ext uri="{FF2B5EF4-FFF2-40B4-BE49-F238E27FC236}">
-                <a16:creationId xmlns:a16="http://schemas.microsoft.com/office/drawing/2014/main" id="{B756954B-286C-E640-89B3-F5FB19659E79}"/>
-              </a:ext>
-            </a:extLst>
-          </p:cNvPr>
-          <p:cNvCxnSpPr/>
-          <p:nvPr/>
-        </p:nvCxnSpPr>
-        <p:spPr>
-          <a:xfrm>
-            <a:off x="2095500" y="2171700"/>
-            <a:ext cx="571500" cy="0"/>
-          </a:xfrm>
-          <a:prstGeom prst="straightConnector1">
-            <a:avLst/>
-          </a:prstGeom>
-          <a:ln w="38100">
-            <a:solidFill>
-              <a:schemeClr val="tx1"/>
-            </a:solidFill>
-            <a:tailEnd type="triangle"/>
-          </a:ln>
-        </p:spPr>
-        <p:style>
-          <a:lnRef idx="1">
-            <a:schemeClr val="accent1"/>
-          </a:lnRef>
-          <a:fillRef idx="0">
-            <a:schemeClr val="accent1"/>
-          </a:fillRef>
-          <a:effectRef idx="0">
-            <a:schemeClr val="accent1"/>
-          </a:effectRef>
-          <a:fontRef idx="minor">
-            <a:schemeClr val="tx1"/>
-          </a:fontRef>
-        </p:style>
-      </p:cxnSp>
-      <p:cxnSp>
-        <p:nvCxnSpPr>
-          <p:cNvPr id="15" name="Straight Arrow Connector 14">
-            <a:extLst>
-              <a:ext uri="{FF2B5EF4-FFF2-40B4-BE49-F238E27FC236}">
-                <a16:creationId xmlns:a16="http://schemas.microsoft.com/office/drawing/2014/main" id="{8A6AFCE3-2CAC-404A-9468-761945898EF7}"/>
-              </a:ext>
-            </a:extLst>
-          </p:cNvPr>
-          <p:cNvCxnSpPr>
-            <a:cxnSpLocks/>
-          </p:cNvCxnSpPr>
-          <p:nvPr/>
-        </p:nvCxnSpPr>
-        <p:spPr>
-          <a:xfrm flipH="1">
-            <a:off x="2857499" y="2171700"/>
-            <a:ext cx="571500" cy="0"/>
-          </a:xfrm>
-          <a:prstGeom prst="straightConnector1">
-            <a:avLst/>
-          </a:prstGeom>
-          <a:ln w="38100">
-            <a:solidFill>
-              <a:schemeClr val="tx1"/>
-            </a:solidFill>
-            <a:tailEnd type="triangle"/>
-          </a:ln>
-        </p:spPr>
-        <p:style>
-          <a:lnRef idx="1">
-            <a:schemeClr val="accent1"/>
-          </a:lnRef>
-          <a:fillRef idx="0">
-            <a:schemeClr val="accent1"/>
-          </a:fillRef>
-          <a:effectRef idx="0">
-            <a:schemeClr val="accent1"/>
-          </a:effectRef>
-          <a:fontRef idx="minor">
-            <a:schemeClr val="tx1"/>
-          </a:fontRef>
-        </p:style>
-      </p:cxnSp>
-      <p:sp>
-        <p:nvSpPr>
-          <p:cNvPr id="16" name="TextBox 15">
-            <a:extLst>
-              <a:ext uri="{FF2B5EF4-FFF2-40B4-BE49-F238E27FC236}">
-                <a16:creationId xmlns:a16="http://schemas.microsoft.com/office/drawing/2014/main" id="{7CC8DE30-E6A7-5D42-9E41-6A01E4794CD2}"/>
+                <a16:creationId xmlns:a16="http://schemas.microsoft.com/office/drawing/2014/main" id="{2F3DF9A4-7D58-854A-A268-F06E61C2E93F}"/>
               </a:ext>
             </a:extLst>
           </p:cNvPr>
@@ -17825,8 +18153,8 @@
         </p:nvSpPr>
         <p:spPr>
           <a:xfrm>
-            <a:off x="1066800" y="1971645"/>
-            <a:ext cx="1257300" cy="400110"/>
+            <a:off x="9448800" y="1588165"/>
+            <a:ext cx="1824869" cy="338554"/>
           </a:xfrm>
           <a:prstGeom prst="rect">
             <a:avLst/>
@@ -17841,18 +18169,25 @@
           <a:p>
             <a:pPr algn="ctr"/>
             <a:r>
-              <a:rPr lang="en-US" sz="2000" dirty="0"/>
-              <a:t>0.11”</a:t>
+              <a:rPr lang="en-US" sz="800" dirty="0"/>
+              <a:t>Light Sensor Connector</a:t>
+            </a:r>
+          </a:p>
+          <a:p>
+            <a:pPr algn="ctr"/>
+            <a:r>
+              <a:rPr lang="en-US" sz="800" dirty="0"/>
+              <a:t>(0.55” x 0.25”)</a:t>
             </a:r>
           </a:p>
         </p:txBody>
       </p:sp>
       <p:sp>
         <p:nvSpPr>
-          <p:cNvPr id="18" name="TextBox 17">
+          <p:cNvPr id="24" name="TextBox 23">
             <a:extLst>
               <a:ext uri="{FF2B5EF4-FFF2-40B4-BE49-F238E27FC236}">
-                <a16:creationId xmlns:a16="http://schemas.microsoft.com/office/drawing/2014/main" id="{BD3EFE6B-2CCF-C940-B5DC-685410210B8F}"/>
+                <a16:creationId xmlns:a16="http://schemas.microsoft.com/office/drawing/2014/main" id="{EE049461-94F4-824C-BC85-262A74AD88ED}"/>
               </a:ext>
             </a:extLst>
           </p:cNvPr>
@@ -17861,8 +18196,8 @@
         </p:nvSpPr>
         <p:spPr>
           <a:xfrm>
-            <a:off x="9431754" y="3369473"/>
-            <a:ext cx="1257300" cy="400110"/>
+            <a:off x="7983229" y="1586466"/>
+            <a:ext cx="1824869" cy="338554"/>
           </a:xfrm>
           <a:prstGeom prst="rect">
             <a:avLst/>
@@ -17877,8 +18212,87 @@
           <a:p>
             <a:pPr algn="ctr"/>
             <a:r>
-              <a:rPr lang="en-US" sz="2000" dirty="0"/>
-              <a:t>2.6”</a:t>
+              <a:rPr lang="en-US" sz="800" dirty="0"/>
+              <a:t>Soil Sensor Connector</a:t>
+            </a:r>
+          </a:p>
+          <a:p>
+            <a:pPr algn="ctr"/>
+            <a:r>
+              <a:rPr lang="en-US" sz="800" dirty="0"/>
+              <a:t>(0.55” x 0.25”)</a:t>
+            </a:r>
+          </a:p>
+        </p:txBody>
+      </p:sp>
+      <p:sp>
+        <p:nvSpPr>
+          <p:cNvPr id="25" name="TextBox 24">
+            <a:extLst>
+              <a:ext uri="{FF2B5EF4-FFF2-40B4-BE49-F238E27FC236}">
+                <a16:creationId xmlns:a16="http://schemas.microsoft.com/office/drawing/2014/main" id="{DADB6FBE-F46E-0B4E-A5E5-8B7D7F6356E9}"/>
+              </a:ext>
+            </a:extLst>
+          </p:cNvPr>
+          <p:cNvSpPr txBox="1"/>
+          <p:nvPr/>
+        </p:nvSpPr>
+        <p:spPr>
+          <a:xfrm>
+            <a:off x="2640923" y="5810314"/>
+            <a:ext cx="1828800" cy="400110"/>
+          </a:xfrm>
+          <a:prstGeom prst="rect">
+            <a:avLst/>
+          </a:prstGeom>
+          <a:noFill/>
+        </p:spPr>
+        <p:txBody>
+          <a:bodyPr wrap="square" rtlCol="0">
+            <a:spAutoFit/>
+          </a:bodyPr>
+          <a:lstStyle/>
+          <a:p>
+            <a:pPr algn="ctr"/>
+            <a:r>
+              <a:rPr lang="en-US" sz="2000" b="1" dirty="0"/>
+              <a:t>TOP</a:t>
+            </a:r>
+          </a:p>
+        </p:txBody>
+      </p:sp>
+      <p:sp>
+        <p:nvSpPr>
+          <p:cNvPr id="26" name="TextBox 25">
+            <a:extLst>
+              <a:ext uri="{FF2B5EF4-FFF2-40B4-BE49-F238E27FC236}">
+                <a16:creationId xmlns:a16="http://schemas.microsoft.com/office/drawing/2014/main" id="{B51B59ED-046A-7E4B-8889-AB3F849A5E97}"/>
+              </a:ext>
+            </a:extLst>
+          </p:cNvPr>
+          <p:cNvSpPr txBox="1"/>
+          <p:nvPr/>
+        </p:nvSpPr>
+        <p:spPr>
+          <a:xfrm>
+            <a:off x="7983229" y="5772090"/>
+            <a:ext cx="1828800" cy="400110"/>
+          </a:xfrm>
+          <a:prstGeom prst="rect">
+            <a:avLst/>
+          </a:prstGeom>
+          <a:noFill/>
+        </p:spPr>
+        <p:txBody>
+          <a:bodyPr wrap="square" rtlCol="0">
+            <a:spAutoFit/>
+          </a:bodyPr>
+          <a:lstStyle/>
+          <a:p>
+            <a:pPr algn="ctr"/>
+            <a:r>
+              <a:rPr lang="en-US" sz="2000" b="1" dirty="0"/>
+              <a:t>BOTTOM</a:t>
             </a:r>
           </a:p>
         </p:txBody>

--- a/project2/ENGI301_project_proposal-2.pptx
+++ b/project2/ENGI301_project_proposal-2.pptx
@@ -218,7 +218,7 @@
           <a:p>
             <a:fld id="{59041DB8-B66F-4DC8-A96E-33677E0F90FF}" type="datetimeFigureOut">
               <a:rPr lang="en-US" smtClean="0"/>
-              <a:t>12/8/20</a:t>
+              <a:t>12/14/20</a:t>
             </a:fld>
             <a:endParaRPr lang="en-US"/>
           </a:p>
@@ -383,7 +383,7 @@
           <a:p>
             <a:fld id="{DEB49C4A-65AC-492D-9701-81B46C3AD0E4}" type="datetimeFigureOut">
               <a:rPr lang="en-US" smtClean="0"/>
-              <a:t>12/8/20</a:t>
+              <a:t>12/14/20</a:t>
             </a:fld>
             <a:endParaRPr lang="en-US"/>
           </a:p>
@@ -2791,7 +2791,7 @@
           <a:p>
             <a:fld id="{384A29A4-78C8-47AB-BA06-22CB45938951}" type="datetime1">
               <a:rPr lang="en-US" smtClean="0"/>
-              <a:t>12/8/20</a:t>
+              <a:t>12/14/20</a:t>
             </a:fld>
             <a:endParaRPr lang="en-US"/>
           </a:p>
@@ -2986,7 +2986,7 @@
           <a:p>
             <a:fld id="{E1ED4ACF-2D82-46F2-A8E9-23963AA34E86}" type="datetime1">
               <a:rPr lang="en-US" smtClean="0"/>
-              <a:t>12/8/20</a:t>
+              <a:t>12/14/20</a:t>
             </a:fld>
             <a:endParaRPr lang="en-US"/>
           </a:p>
@@ -3180,7 +3180,7 @@
           <a:p>
             <a:fld id="{AE374B5B-21A0-4192-BF4C-38187F1A68D8}" type="datetime1">
               <a:rPr lang="en-US" smtClean="0"/>
-              <a:t>12/8/20</a:t>
+              <a:t>12/14/20</a:t>
             </a:fld>
             <a:endParaRPr lang="en-US"/>
           </a:p>
@@ -5521,7 +5521,7 @@
           <a:p>
             <a:fld id="{33B5CF7C-B333-48E1-A4A6-83A3C8B73AC0}" type="datetime1">
               <a:rPr lang="en-US" smtClean="0"/>
-              <a:t>12/8/20</a:t>
+              <a:t>12/14/20</a:t>
             </a:fld>
             <a:endParaRPr lang="en-US"/>
           </a:p>
@@ -5974,7 +5974,7 @@
           <a:p>
             <a:fld id="{AE320762-5CBF-4210-AB54-376B091119F8}" type="datetime1">
               <a:rPr lang="en-US" smtClean="0"/>
-              <a:t>12/8/20</a:t>
+              <a:t>12/14/20</a:t>
             </a:fld>
             <a:endParaRPr lang="en-US"/>
           </a:p>
@@ -6106,7 +6106,7 @@
           <a:p>
             <a:fld id="{7F0DB371-BF5F-4058-A212-1A908E4D2674}" type="datetime1">
               <a:rPr lang="en-US" smtClean="0"/>
-              <a:t>12/8/20</a:t>
+              <a:t>12/14/20</a:t>
             </a:fld>
             <a:endParaRPr lang="en-US"/>
           </a:p>
@@ -8039,7 +8039,7 @@
           <a:p>
             <a:fld id="{60A4083B-90AA-48CF-BAD5-00AA24D7F288}" type="datetime1">
               <a:rPr lang="en-US" smtClean="0"/>
-              <a:t>12/8/20</a:t>
+              <a:t>12/14/20</a:t>
             </a:fld>
             <a:endParaRPr lang="en-US"/>
           </a:p>
@@ -10298,7 +10298,7 @@
             <a:fld id="{F5BAF629-ECA2-4CF3-B790-9D9BDED98269}" type="datetime1">
               <a:rPr lang="en-US" smtClean="0"/>
               <a:pPr/>
-              <a:t>12/8/20</a:t>
+              <a:t>12/14/20</a:t>
             </a:fld>
             <a:endParaRPr lang="en-US"/>
           </a:p>
@@ -14593,7 +14593,7 @@
             <a:fld id="{B51B2453-8663-4C69-AF73-9FD7B1DEC5D0}" type="datetime1">
               <a:rPr lang="en-US" smtClean="0"/>
               <a:pPr/>
-              <a:t>12/8/20</a:t>
+              <a:t>12/14/20</a:t>
             </a:fld>
             <a:endParaRPr lang="en-US" dirty="0"/>
           </a:p>
@@ -17348,7 +17348,12 @@
             <p:ph type="title"/>
           </p:nvPr>
         </p:nvSpPr>
-        <p:spPr/>
+        <p:spPr>
+          <a:xfrm>
+            <a:off x="76200" y="-151571"/>
+            <a:ext cx="10972800" cy="914401"/>
+          </a:xfrm>
+        </p:spPr>
         <p:txBody>
           <a:bodyPr/>
           <a:lstStyle/>
@@ -17425,8 +17430,8 @@
         </p:nvSpPr>
         <p:spPr>
           <a:xfrm>
-            <a:off x="1555072" y="1590936"/>
-            <a:ext cx="4006746" cy="3222139"/>
+            <a:off x="1600200" y="1529544"/>
+            <a:ext cx="3790950" cy="3080556"/>
           </a:xfrm>
           <a:prstGeom prst="rect">
             <a:avLst/>
@@ -17479,7 +17484,7 @@
         </p:nvSpPr>
         <p:spPr>
           <a:xfrm>
-            <a:off x="2640923" y="2731581"/>
+            <a:off x="2546884" y="2731581"/>
             <a:ext cx="1828800" cy="707886"/>
           </a:xfrm>
           <a:prstGeom prst="rect">
@@ -17515,7 +17520,7 @@
         </p:nvSpPr>
         <p:spPr>
           <a:xfrm>
-            <a:off x="3040973" y="5288261"/>
+            <a:off x="2945723" y="786453"/>
             <a:ext cx="1257300" cy="400110"/>
           </a:xfrm>
           <a:prstGeom prst="rect">
@@ -17532,7 +17537,7 @@
             <a:pPr algn="ctr"/>
             <a:r>
               <a:rPr lang="en-US" sz="2000" dirty="0"/>
-              <a:t>1.9”</a:t>
+              <a:t>3”</a:t>
             </a:r>
           </a:p>
         </p:txBody>
@@ -17553,7 +17558,7 @@
         </p:nvCxnSpPr>
         <p:spPr>
           <a:xfrm>
-            <a:off x="1326473" y="5166317"/>
+            <a:off x="1364573" y="1219200"/>
             <a:ext cx="4419600" cy="0"/>
           </a:xfrm>
           <a:prstGeom prst="straightConnector1">
@@ -17744,7 +17749,7 @@
             <a:pPr algn="ctr"/>
             <a:r>
               <a:rPr lang="en-US" sz="2000" dirty="0"/>
-              <a:t>0.11”</a:t>
+              <a:t>0.31”</a:t>
             </a:r>
           </a:p>
         </p:txBody>
@@ -17780,7 +17785,7 @@
             <a:pPr algn="ctr"/>
             <a:r>
               <a:rPr lang="en-US" sz="2000" dirty="0"/>
-              <a:t>2.6”</a:t>
+              <a:t>2”</a:t>
             </a:r>
           </a:p>
         </p:txBody>
@@ -17849,8 +17854,8 @@
           <p:nvPr/>
         </p:nvSpPr>
         <p:spPr>
-          <a:xfrm rot="5400000">
-            <a:off x="7716508" y="2568282"/>
+          <a:xfrm rot="10800000">
+            <a:off x="6789061" y="2810255"/>
             <a:ext cx="2537341" cy="1952245"/>
           </a:xfrm>
           <a:prstGeom prst="rect">
@@ -17904,7 +17909,7 @@
         </p:nvSpPr>
         <p:spPr>
           <a:xfrm>
-            <a:off x="8072743" y="3229814"/>
+            <a:off x="7128631" y="3475555"/>
             <a:ext cx="1824869" cy="707886"/>
           </a:xfrm>
           <a:prstGeom prst="rect">
@@ -17929,7 +17934,7 @@
             <a:pPr algn="ctr"/>
             <a:r>
               <a:rPr lang="en-US" sz="2000" dirty="0"/>
-              <a:t>(1.38” x 2.21”)</a:t>
+              <a:t>(2.21” x 1.38”)</a:t>
             </a:r>
           </a:p>
         </p:txBody>
@@ -17948,62 +17953,8 @@
         </p:nvSpPr>
         <p:spPr>
           <a:xfrm rot="5400000">
-            <a:off x="7226024" y="1170731"/>
-            <a:ext cx="505548" cy="1255927"/>
-          </a:xfrm>
-          <a:prstGeom prst="rect">
-            <a:avLst/>
-          </a:prstGeom>
-          <a:solidFill>
-            <a:schemeClr val="bg1"/>
-          </a:solidFill>
-          <a:ln w="38100">
-            <a:solidFill>
-              <a:schemeClr val="tx1"/>
-            </a:solidFill>
-          </a:ln>
-        </p:spPr>
-        <p:style>
-          <a:lnRef idx="2">
-            <a:schemeClr val="accent1">
-              <a:shade val="50000"/>
-            </a:schemeClr>
-          </a:lnRef>
-          <a:fillRef idx="1">
-            <a:schemeClr val="accent1"/>
-          </a:fillRef>
-          <a:effectRef idx="0">
-            <a:schemeClr val="accent1"/>
-          </a:effectRef>
-          <a:fontRef idx="minor">
-            <a:schemeClr val="lt1"/>
-          </a:fontRef>
-        </p:style>
-        <p:txBody>
-          <a:bodyPr rtlCol="0" anchor="ctr"/>
-          <a:lstStyle/>
-          <a:p>
-            <a:pPr algn="ctr"/>
-            <a:endParaRPr lang="en-US"/>
-          </a:p>
-        </p:txBody>
-      </p:sp>
-      <p:sp>
-        <p:nvSpPr>
-          <p:cNvPr id="20" name="Rectangle 19">
-            <a:extLst>
-              <a:ext uri="{FF2B5EF4-FFF2-40B4-BE49-F238E27FC236}">
-                <a16:creationId xmlns:a16="http://schemas.microsoft.com/office/drawing/2014/main" id="{0488F4C3-3A60-014F-B033-556134F082E9}"/>
-              </a:ext>
-            </a:extLst>
-          </p:cNvPr>
-          <p:cNvSpPr/>
-          <p:nvPr/>
-        </p:nvSpPr>
-        <p:spPr>
-          <a:xfrm rot="5400000">
-            <a:off x="8642890" y="1158623"/>
-            <a:ext cx="505548" cy="1255927"/>
+            <a:off x="6982643" y="1414112"/>
+            <a:ext cx="505548" cy="769165"/>
           </a:xfrm>
           <a:prstGeom prst="rect">
             <a:avLst/>
@@ -18056,8 +18007,8 @@
         </p:nvSpPr>
         <p:spPr>
           <a:xfrm rot="5400000">
-            <a:off x="10062628" y="1158623"/>
-            <a:ext cx="505548" cy="1255927"/>
+            <a:off x="10306008" y="1402004"/>
+            <a:ext cx="505548" cy="769166"/>
           </a:xfrm>
           <a:prstGeom prst="rect">
             <a:avLst/>
@@ -18110,7 +18061,7 @@
         </p:nvSpPr>
         <p:spPr>
           <a:xfrm>
-            <a:off x="6555166" y="1590936"/>
+            <a:off x="6326611" y="1597211"/>
             <a:ext cx="1824869" cy="338554"/>
           </a:xfrm>
           <a:prstGeom prst="rect">
@@ -18127,7 +18078,7 @@
             <a:pPr algn="ctr"/>
             <a:r>
               <a:rPr lang="en-US" sz="800" dirty="0"/>
-              <a:t>Light Sensor Connector</a:t>
+              <a:t>Light Sensor</a:t>
             </a:r>
           </a:p>
           <a:p>
@@ -18153,7 +18104,7 @@
         </p:nvSpPr>
         <p:spPr>
           <a:xfrm>
-            <a:off x="9448800" y="1588165"/>
+            <a:off x="9646347" y="1579978"/>
             <a:ext cx="1824869" cy="338554"/>
           </a:xfrm>
           <a:prstGeom prst="rect">
@@ -18170,50 +18121,7 @@
             <a:pPr algn="ctr"/>
             <a:r>
               <a:rPr lang="en-US" sz="800" dirty="0"/>
-              <a:t>Light Sensor Connector</a:t>
-            </a:r>
-          </a:p>
-          <a:p>
-            <a:pPr algn="ctr"/>
-            <a:r>
-              <a:rPr lang="en-US" sz="800" dirty="0"/>
-              <a:t>(0.55” x 0.25”)</a:t>
-            </a:r>
-          </a:p>
-        </p:txBody>
-      </p:sp>
-      <p:sp>
-        <p:nvSpPr>
-          <p:cNvPr id="24" name="TextBox 23">
-            <a:extLst>
-              <a:ext uri="{FF2B5EF4-FFF2-40B4-BE49-F238E27FC236}">
-                <a16:creationId xmlns:a16="http://schemas.microsoft.com/office/drawing/2014/main" id="{EE049461-94F4-824C-BC85-262A74AD88ED}"/>
-              </a:ext>
-            </a:extLst>
-          </p:cNvPr>
-          <p:cNvSpPr txBox="1"/>
-          <p:nvPr/>
-        </p:nvSpPr>
-        <p:spPr>
-          <a:xfrm>
-            <a:off x="7983229" y="1586466"/>
-            <a:ext cx="1824869" cy="338554"/>
-          </a:xfrm>
-          <a:prstGeom prst="rect">
-            <a:avLst/>
-          </a:prstGeom>
-          <a:noFill/>
-        </p:spPr>
-        <p:txBody>
-          <a:bodyPr wrap="square" rtlCol="0">
-            <a:spAutoFit/>
-          </a:bodyPr>
-          <a:lstStyle/>
-          <a:p>
-            <a:pPr algn="ctr"/>
-            <a:r>
-              <a:rPr lang="en-US" sz="800" dirty="0"/>
-              <a:t>Soil Sensor Connector</a:t>
+              <a:t>Light Sensor</a:t>
             </a:r>
           </a:p>
           <a:p>
@@ -18239,7 +18147,7 @@
         </p:nvSpPr>
         <p:spPr>
           <a:xfrm>
-            <a:off x="2640923" y="5810314"/>
+            <a:off x="1198093" y="6229290"/>
             <a:ext cx="1828800" cy="400110"/>
           </a:xfrm>
           <a:prstGeom prst="rect">
@@ -18275,7 +18183,7 @@
         </p:nvSpPr>
         <p:spPr>
           <a:xfrm>
-            <a:off x="7983229" y="5772090"/>
+            <a:off x="8106762" y="6229290"/>
             <a:ext cx="1828800" cy="400110"/>
           </a:xfrm>
           <a:prstGeom prst="rect">
@@ -18293,6 +18201,690 @@
             <a:r>
               <a:rPr lang="en-US" sz="2000" b="1" dirty="0"/>
               <a:t>BOTTOM</a:t>
+            </a:r>
+          </a:p>
+        </p:txBody>
+      </p:sp>
+      <p:grpSp>
+        <p:nvGrpSpPr>
+          <p:cNvPr id="11" name="Group 10">
+            <a:extLst>
+              <a:ext uri="{FF2B5EF4-FFF2-40B4-BE49-F238E27FC236}">
+                <a16:creationId xmlns:a16="http://schemas.microsoft.com/office/drawing/2014/main" id="{B05C8410-E542-174C-AFD7-CA06C5053EEA}"/>
+              </a:ext>
+            </a:extLst>
+          </p:cNvPr>
+          <p:cNvGrpSpPr/>
+          <p:nvPr/>
+        </p:nvGrpSpPr>
+        <p:grpSpPr>
+          <a:xfrm>
+            <a:off x="3238500" y="4838700"/>
+            <a:ext cx="685800" cy="1447800"/>
+            <a:chOff x="3238500" y="4838700"/>
+            <a:chExt cx="685800" cy="1447800"/>
+          </a:xfrm>
+        </p:grpSpPr>
+        <p:sp>
+          <p:nvSpPr>
+            <p:cNvPr id="3" name="Rectangle 2">
+              <a:extLst>
+                <a:ext uri="{FF2B5EF4-FFF2-40B4-BE49-F238E27FC236}">
+                  <a16:creationId xmlns:a16="http://schemas.microsoft.com/office/drawing/2014/main" id="{A5D5E324-7742-C643-B907-A387D8B6174C}"/>
+                </a:ext>
+              </a:extLst>
+            </p:cNvPr>
+            <p:cNvSpPr/>
+            <p:nvPr/>
+          </p:nvSpPr>
+          <p:spPr>
+            <a:xfrm>
+              <a:off x="3238500" y="4838700"/>
+              <a:ext cx="685800" cy="789633"/>
+            </a:xfrm>
+            <a:prstGeom prst="rect">
+              <a:avLst/>
+            </a:prstGeom>
+            <a:ln>
+              <a:noFill/>
+            </a:ln>
+          </p:spPr>
+          <p:style>
+            <a:lnRef idx="2">
+              <a:schemeClr val="accent1">
+                <a:shade val="50000"/>
+              </a:schemeClr>
+            </a:lnRef>
+            <a:fillRef idx="1">
+              <a:schemeClr val="accent1"/>
+            </a:fillRef>
+            <a:effectRef idx="0">
+              <a:schemeClr val="accent1"/>
+            </a:effectRef>
+            <a:fontRef idx="minor">
+              <a:schemeClr val="lt1"/>
+            </a:fontRef>
+          </p:style>
+          <p:txBody>
+            <a:bodyPr rtlCol="0" anchor="ctr"/>
+            <a:lstStyle/>
+            <a:p>
+              <a:pPr algn="ctr"/>
+              <a:endParaRPr lang="en-US"/>
+            </a:p>
+          </p:txBody>
+        </p:sp>
+        <p:sp>
+          <p:nvSpPr>
+            <p:cNvPr id="5" name="Triangle 4">
+              <a:extLst>
+                <a:ext uri="{FF2B5EF4-FFF2-40B4-BE49-F238E27FC236}">
+                  <a16:creationId xmlns:a16="http://schemas.microsoft.com/office/drawing/2014/main" id="{2CFA1CC7-E1FB-6246-AE6A-3A42D0A7B207}"/>
+                </a:ext>
+              </a:extLst>
+            </p:cNvPr>
+            <p:cNvSpPr/>
+            <p:nvPr/>
+          </p:nvSpPr>
+          <p:spPr>
+            <a:xfrm rot="10800000">
+              <a:off x="3238500" y="5600700"/>
+              <a:ext cx="685800" cy="685800"/>
+            </a:xfrm>
+            <a:prstGeom prst="triangle">
+              <a:avLst/>
+            </a:prstGeom>
+            <a:ln>
+              <a:noFill/>
+            </a:ln>
+          </p:spPr>
+          <p:style>
+            <a:lnRef idx="2">
+              <a:schemeClr val="accent1">
+                <a:shade val="50000"/>
+              </a:schemeClr>
+            </a:lnRef>
+            <a:fillRef idx="1">
+              <a:schemeClr val="accent1"/>
+            </a:fillRef>
+            <a:effectRef idx="0">
+              <a:schemeClr val="accent1"/>
+            </a:effectRef>
+            <a:fontRef idx="minor">
+              <a:schemeClr val="lt1"/>
+            </a:fontRef>
+          </p:style>
+          <p:txBody>
+            <a:bodyPr rtlCol="0" anchor="ctr"/>
+            <a:lstStyle/>
+            <a:p>
+              <a:pPr algn="ctr"/>
+              <a:endParaRPr lang="en-US"/>
+            </a:p>
+          </p:txBody>
+        </p:sp>
+      </p:grpSp>
+      <p:grpSp>
+        <p:nvGrpSpPr>
+          <p:cNvPr id="27" name="Group 26">
+            <a:extLst>
+              <a:ext uri="{FF2B5EF4-FFF2-40B4-BE49-F238E27FC236}">
+                <a16:creationId xmlns:a16="http://schemas.microsoft.com/office/drawing/2014/main" id="{7CE702B3-020B-F843-931E-744CA607C642}"/>
+              </a:ext>
+            </a:extLst>
+          </p:cNvPr>
+          <p:cNvGrpSpPr/>
+          <p:nvPr/>
+        </p:nvGrpSpPr>
+        <p:grpSpPr>
+          <a:xfrm>
+            <a:off x="8572500" y="4876800"/>
+            <a:ext cx="685800" cy="1447800"/>
+            <a:chOff x="3238500" y="4838700"/>
+            <a:chExt cx="685800" cy="1447800"/>
+          </a:xfrm>
+        </p:grpSpPr>
+        <p:sp>
+          <p:nvSpPr>
+            <p:cNvPr id="28" name="Rectangle 27">
+              <a:extLst>
+                <a:ext uri="{FF2B5EF4-FFF2-40B4-BE49-F238E27FC236}">
+                  <a16:creationId xmlns:a16="http://schemas.microsoft.com/office/drawing/2014/main" id="{927E4A48-4965-0946-8C1E-4D4F0849AC56}"/>
+                </a:ext>
+              </a:extLst>
+            </p:cNvPr>
+            <p:cNvSpPr/>
+            <p:nvPr/>
+          </p:nvSpPr>
+          <p:spPr>
+            <a:xfrm>
+              <a:off x="3238500" y="4838700"/>
+              <a:ext cx="685800" cy="789633"/>
+            </a:xfrm>
+            <a:prstGeom prst="rect">
+              <a:avLst/>
+            </a:prstGeom>
+            <a:ln>
+              <a:noFill/>
+            </a:ln>
+          </p:spPr>
+          <p:style>
+            <a:lnRef idx="2">
+              <a:schemeClr val="accent1">
+                <a:shade val="50000"/>
+              </a:schemeClr>
+            </a:lnRef>
+            <a:fillRef idx="1">
+              <a:schemeClr val="accent1"/>
+            </a:fillRef>
+            <a:effectRef idx="0">
+              <a:schemeClr val="accent1"/>
+            </a:effectRef>
+            <a:fontRef idx="minor">
+              <a:schemeClr val="lt1"/>
+            </a:fontRef>
+          </p:style>
+          <p:txBody>
+            <a:bodyPr rtlCol="0" anchor="ctr"/>
+            <a:lstStyle/>
+            <a:p>
+              <a:pPr algn="ctr"/>
+              <a:endParaRPr lang="en-US"/>
+            </a:p>
+          </p:txBody>
+        </p:sp>
+        <p:sp>
+          <p:nvSpPr>
+            <p:cNvPr id="29" name="Triangle 28">
+              <a:extLst>
+                <a:ext uri="{FF2B5EF4-FFF2-40B4-BE49-F238E27FC236}">
+                  <a16:creationId xmlns:a16="http://schemas.microsoft.com/office/drawing/2014/main" id="{9918F6AC-9B9C-3D47-AD75-DF720DC2B236}"/>
+                </a:ext>
+              </a:extLst>
+            </p:cNvPr>
+            <p:cNvSpPr/>
+            <p:nvPr/>
+          </p:nvSpPr>
+          <p:spPr>
+            <a:xfrm rot="10800000">
+              <a:off x="3238500" y="5600700"/>
+              <a:ext cx="685800" cy="685800"/>
+            </a:xfrm>
+            <a:prstGeom prst="triangle">
+              <a:avLst/>
+            </a:prstGeom>
+            <a:ln>
+              <a:noFill/>
+            </a:ln>
+          </p:spPr>
+          <p:style>
+            <a:lnRef idx="2">
+              <a:schemeClr val="accent1">
+                <a:shade val="50000"/>
+              </a:schemeClr>
+            </a:lnRef>
+            <a:fillRef idx="1">
+              <a:schemeClr val="accent1"/>
+            </a:fillRef>
+            <a:effectRef idx="0">
+              <a:schemeClr val="accent1"/>
+            </a:effectRef>
+            <a:fontRef idx="minor">
+              <a:schemeClr val="lt1"/>
+            </a:fontRef>
+          </p:style>
+          <p:txBody>
+            <a:bodyPr rtlCol="0" anchor="ctr"/>
+            <a:lstStyle/>
+            <a:p>
+              <a:pPr algn="ctr"/>
+              <a:endParaRPr lang="en-US"/>
+            </a:p>
+          </p:txBody>
+        </p:sp>
+      </p:grpSp>
+      <p:cxnSp>
+        <p:nvCxnSpPr>
+          <p:cNvPr id="30" name="Straight Arrow Connector 29">
+            <a:extLst>
+              <a:ext uri="{FF2B5EF4-FFF2-40B4-BE49-F238E27FC236}">
+                <a16:creationId xmlns:a16="http://schemas.microsoft.com/office/drawing/2014/main" id="{E4A22365-A063-664F-B4C5-4DC8DF8FC4F7}"/>
+              </a:ext>
+            </a:extLst>
+          </p:cNvPr>
+          <p:cNvCxnSpPr>
+            <a:cxnSpLocks/>
+          </p:cNvCxnSpPr>
+          <p:nvPr/>
+        </p:nvCxnSpPr>
+        <p:spPr>
+          <a:xfrm flipH="1">
+            <a:off x="4197011" y="5044245"/>
+            <a:ext cx="1" cy="1280356"/>
+          </a:xfrm>
+          <a:prstGeom prst="straightConnector1">
+            <a:avLst/>
+          </a:prstGeom>
+          <a:ln w="38100">
+            <a:solidFill>
+              <a:schemeClr val="tx1"/>
+            </a:solidFill>
+            <a:headEnd type="triangle"/>
+            <a:tailEnd type="triangle"/>
+          </a:ln>
+        </p:spPr>
+        <p:style>
+          <a:lnRef idx="1">
+            <a:schemeClr val="accent1"/>
+          </a:lnRef>
+          <a:fillRef idx="0">
+            <a:schemeClr val="accent1"/>
+          </a:fillRef>
+          <a:effectRef idx="0">
+            <a:schemeClr val="accent1"/>
+          </a:effectRef>
+          <a:fontRef idx="minor">
+            <a:schemeClr val="tx1"/>
+          </a:fontRef>
+        </p:style>
+      </p:cxnSp>
+      <p:sp>
+        <p:nvSpPr>
+          <p:cNvPr id="33" name="TextBox 32">
+            <a:extLst>
+              <a:ext uri="{FF2B5EF4-FFF2-40B4-BE49-F238E27FC236}">
+                <a16:creationId xmlns:a16="http://schemas.microsoft.com/office/drawing/2014/main" id="{79109CEE-7C62-FC4F-B8F3-190FF1174DB2}"/>
+              </a:ext>
+            </a:extLst>
+          </p:cNvPr>
+          <p:cNvSpPr txBox="1"/>
+          <p:nvPr/>
+        </p:nvSpPr>
+        <p:spPr>
+          <a:xfrm>
+            <a:off x="3924300" y="5514885"/>
+            <a:ext cx="1257300" cy="400110"/>
+          </a:xfrm>
+          <a:prstGeom prst="rect">
+            <a:avLst/>
+          </a:prstGeom>
+          <a:noFill/>
+        </p:spPr>
+        <p:txBody>
+          <a:bodyPr wrap="square" rtlCol="0">
+            <a:spAutoFit/>
+          </a:bodyPr>
+          <a:lstStyle/>
+          <a:p>
+            <a:pPr algn="ctr"/>
+            <a:r>
+              <a:rPr lang="en-US" sz="2000" dirty="0"/>
+              <a:t>1”</a:t>
+            </a:r>
+          </a:p>
+        </p:txBody>
+      </p:sp>
+      <p:sp>
+        <p:nvSpPr>
+          <p:cNvPr id="34" name="TextBox 33">
+            <a:extLst>
+              <a:ext uri="{FF2B5EF4-FFF2-40B4-BE49-F238E27FC236}">
+                <a16:creationId xmlns:a16="http://schemas.microsoft.com/office/drawing/2014/main" id="{F61FA08F-DF5E-034B-B979-A4F9B2FC1CB1}"/>
+              </a:ext>
+            </a:extLst>
+          </p:cNvPr>
+          <p:cNvSpPr txBox="1"/>
+          <p:nvPr/>
+        </p:nvSpPr>
+        <p:spPr>
+          <a:xfrm>
+            <a:off x="2983302" y="6257991"/>
+            <a:ext cx="1257300" cy="400110"/>
+          </a:xfrm>
+          <a:prstGeom prst="rect">
+            <a:avLst/>
+          </a:prstGeom>
+          <a:noFill/>
+        </p:spPr>
+        <p:txBody>
+          <a:bodyPr wrap="square" rtlCol="0">
+            <a:spAutoFit/>
+          </a:bodyPr>
+          <a:lstStyle/>
+          <a:p>
+            <a:pPr algn="ctr"/>
+            <a:r>
+              <a:rPr lang="en-US" sz="2000" dirty="0"/>
+              <a:t>0.55”</a:t>
+            </a:r>
+          </a:p>
+        </p:txBody>
+      </p:sp>
+      <p:cxnSp>
+        <p:nvCxnSpPr>
+          <p:cNvPr id="35" name="Straight Arrow Connector 34">
+            <a:extLst>
+              <a:ext uri="{FF2B5EF4-FFF2-40B4-BE49-F238E27FC236}">
+                <a16:creationId xmlns:a16="http://schemas.microsoft.com/office/drawing/2014/main" id="{4F499B8A-0CC8-3E43-9AAF-2D501DA3097B}"/>
+              </a:ext>
+            </a:extLst>
+          </p:cNvPr>
+          <p:cNvCxnSpPr>
+            <a:cxnSpLocks/>
+          </p:cNvCxnSpPr>
+          <p:nvPr/>
+        </p:nvCxnSpPr>
+        <p:spPr>
+          <a:xfrm>
+            <a:off x="2988938" y="6686802"/>
+            <a:ext cx="1184106" cy="0"/>
+          </a:xfrm>
+          <a:prstGeom prst="straightConnector1">
+            <a:avLst/>
+          </a:prstGeom>
+          <a:ln w="38100">
+            <a:solidFill>
+              <a:schemeClr val="tx1"/>
+            </a:solidFill>
+            <a:headEnd type="triangle"/>
+            <a:tailEnd type="triangle"/>
+          </a:ln>
+        </p:spPr>
+        <p:style>
+          <a:lnRef idx="1">
+            <a:schemeClr val="accent1"/>
+          </a:lnRef>
+          <a:fillRef idx="0">
+            <a:schemeClr val="accent1"/>
+          </a:fillRef>
+          <a:effectRef idx="0">
+            <a:schemeClr val="accent1"/>
+          </a:effectRef>
+          <a:fontRef idx="minor">
+            <a:schemeClr val="tx1"/>
+          </a:fontRef>
+        </p:style>
+      </p:cxnSp>
+      <p:sp>
+        <p:nvSpPr>
+          <p:cNvPr id="32" name="Rectangle 31">
+            <a:extLst>
+              <a:ext uri="{FF2B5EF4-FFF2-40B4-BE49-F238E27FC236}">
+                <a16:creationId xmlns:a16="http://schemas.microsoft.com/office/drawing/2014/main" id="{0F6A75A6-C13B-8348-8F52-545B7F0E293B}"/>
+              </a:ext>
+            </a:extLst>
+          </p:cNvPr>
+          <p:cNvSpPr/>
+          <p:nvPr/>
+        </p:nvSpPr>
+        <p:spPr>
+          <a:xfrm rot="5400000">
+            <a:off x="3415380" y="4557104"/>
+            <a:ext cx="348666" cy="574485"/>
+          </a:xfrm>
+          <a:prstGeom prst="rect">
+            <a:avLst/>
+          </a:prstGeom>
+          <a:solidFill>
+            <a:schemeClr val="bg1"/>
+          </a:solidFill>
+          <a:ln w="38100">
+            <a:solidFill>
+              <a:schemeClr val="tx1"/>
+            </a:solidFill>
+          </a:ln>
+        </p:spPr>
+        <p:style>
+          <a:lnRef idx="2">
+            <a:schemeClr val="accent1">
+              <a:shade val="50000"/>
+            </a:schemeClr>
+          </a:lnRef>
+          <a:fillRef idx="1">
+            <a:schemeClr val="accent1"/>
+          </a:fillRef>
+          <a:effectRef idx="0">
+            <a:schemeClr val="accent1"/>
+          </a:effectRef>
+          <a:fontRef idx="minor">
+            <a:schemeClr val="lt1"/>
+          </a:fontRef>
+        </p:style>
+        <p:txBody>
+          <a:bodyPr rtlCol="0" anchor="ctr"/>
+          <a:lstStyle/>
+          <a:p>
+            <a:pPr algn="ctr"/>
+            <a:endParaRPr lang="en-US"/>
+          </a:p>
+        </p:txBody>
+      </p:sp>
+      <p:sp>
+        <p:nvSpPr>
+          <p:cNvPr id="36" name="TextBox 35">
+            <a:extLst>
+              <a:ext uri="{FF2B5EF4-FFF2-40B4-BE49-F238E27FC236}">
+                <a16:creationId xmlns:a16="http://schemas.microsoft.com/office/drawing/2014/main" id="{A442BC7E-B5C3-7741-B724-577CD363A562}"/>
+              </a:ext>
+            </a:extLst>
+          </p:cNvPr>
+          <p:cNvSpPr txBox="1"/>
+          <p:nvPr/>
+        </p:nvSpPr>
+        <p:spPr>
+          <a:xfrm>
+            <a:off x="2697552" y="4630318"/>
+            <a:ext cx="1828800" cy="400110"/>
+          </a:xfrm>
+          <a:prstGeom prst="rect">
+            <a:avLst/>
+          </a:prstGeom>
+          <a:noFill/>
+        </p:spPr>
+        <p:txBody>
+          <a:bodyPr wrap="square" rtlCol="0">
+            <a:spAutoFit/>
+          </a:bodyPr>
+          <a:lstStyle/>
+          <a:p>
+            <a:pPr algn="ctr"/>
+            <a:r>
+              <a:rPr lang="en-US" sz="2000" dirty="0"/>
+              <a:t>LED</a:t>
+            </a:r>
+          </a:p>
+        </p:txBody>
+      </p:sp>
+      <p:sp>
+        <p:nvSpPr>
+          <p:cNvPr id="37" name="Rectangle 36">
+            <a:extLst>
+              <a:ext uri="{FF2B5EF4-FFF2-40B4-BE49-F238E27FC236}">
+                <a16:creationId xmlns:a16="http://schemas.microsoft.com/office/drawing/2014/main" id="{88F377C4-39C1-9440-B2A9-E57565ACF509}"/>
+              </a:ext>
+            </a:extLst>
+          </p:cNvPr>
+          <p:cNvSpPr/>
+          <p:nvPr/>
+        </p:nvSpPr>
+        <p:spPr>
+          <a:xfrm rot="10800000">
+            <a:off x="6821630" y="2133600"/>
+            <a:ext cx="1478642" cy="600301"/>
+          </a:xfrm>
+          <a:prstGeom prst="rect">
+            <a:avLst/>
+          </a:prstGeom>
+          <a:solidFill>
+            <a:schemeClr val="bg1"/>
+          </a:solidFill>
+          <a:ln w="38100">
+            <a:solidFill>
+              <a:schemeClr val="tx1"/>
+            </a:solidFill>
+          </a:ln>
+        </p:spPr>
+        <p:style>
+          <a:lnRef idx="2">
+            <a:schemeClr val="accent1">
+              <a:shade val="50000"/>
+            </a:schemeClr>
+          </a:lnRef>
+          <a:fillRef idx="1">
+            <a:schemeClr val="accent1"/>
+          </a:fillRef>
+          <a:effectRef idx="0">
+            <a:schemeClr val="accent1"/>
+          </a:effectRef>
+          <a:fontRef idx="minor">
+            <a:schemeClr val="lt1"/>
+          </a:fontRef>
+        </p:style>
+        <p:txBody>
+          <a:bodyPr rtlCol="0" anchor="ctr"/>
+          <a:lstStyle/>
+          <a:p>
+            <a:pPr algn="ctr"/>
+            <a:endParaRPr lang="en-US"/>
+          </a:p>
+        </p:txBody>
+      </p:sp>
+      <p:sp>
+        <p:nvSpPr>
+          <p:cNvPr id="38" name="TextBox 37">
+            <a:extLst>
+              <a:ext uri="{FF2B5EF4-FFF2-40B4-BE49-F238E27FC236}">
+                <a16:creationId xmlns:a16="http://schemas.microsoft.com/office/drawing/2014/main" id="{30A8C920-C337-0D42-829B-009CC75AAED0}"/>
+              </a:ext>
+            </a:extLst>
+          </p:cNvPr>
+          <p:cNvSpPr txBox="1"/>
+          <p:nvPr/>
+        </p:nvSpPr>
+        <p:spPr>
+          <a:xfrm>
+            <a:off x="6604177" y="2123245"/>
+            <a:ext cx="1977269" cy="523220"/>
+          </a:xfrm>
+          <a:prstGeom prst="rect">
+            <a:avLst/>
+          </a:prstGeom>
+          <a:noFill/>
+        </p:spPr>
+        <p:txBody>
+          <a:bodyPr wrap="square" rtlCol="0">
+            <a:spAutoFit/>
+          </a:bodyPr>
+          <a:lstStyle/>
+          <a:p>
+            <a:pPr algn="ctr"/>
+            <a:r>
+              <a:rPr lang="en-US" sz="1400" dirty="0"/>
+              <a:t>USB Connector</a:t>
+            </a:r>
+          </a:p>
+          <a:p>
+            <a:pPr algn="ctr"/>
+            <a:r>
+              <a:rPr lang="en-US" sz="1400" dirty="0"/>
+              <a:t>(2.21” x 1.38”)</a:t>
+            </a:r>
+          </a:p>
+        </p:txBody>
+      </p:sp>
+      <p:sp>
+        <p:nvSpPr>
+          <p:cNvPr id="39" name="Rectangle 38">
+            <a:extLst>
+              <a:ext uri="{FF2B5EF4-FFF2-40B4-BE49-F238E27FC236}">
+                <a16:creationId xmlns:a16="http://schemas.microsoft.com/office/drawing/2014/main" id="{D9A9F1D0-537E-B14B-BE26-81FA3D94CB89}"/>
+              </a:ext>
+            </a:extLst>
+          </p:cNvPr>
+          <p:cNvSpPr/>
+          <p:nvPr/>
+        </p:nvSpPr>
+        <p:spPr>
+          <a:xfrm rot="10800000">
+            <a:off x="9659475" y="3786376"/>
+            <a:ext cx="970425" cy="600301"/>
+          </a:xfrm>
+          <a:prstGeom prst="rect">
+            <a:avLst/>
+          </a:prstGeom>
+          <a:solidFill>
+            <a:schemeClr val="bg1"/>
+          </a:solidFill>
+          <a:ln w="38100">
+            <a:solidFill>
+              <a:schemeClr val="tx1"/>
+            </a:solidFill>
+          </a:ln>
+        </p:spPr>
+        <p:style>
+          <a:lnRef idx="2">
+            <a:schemeClr val="accent1">
+              <a:shade val="50000"/>
+            </a:schemeClr>
+          </a:lnRef>
+          <a:fillRef idx="1">
+            <a:schemeClr val="accent1"/>
+          </a:fillRef>
+          <a:effectRef idx="0">
+            <a:schemeClr val="accent1"/>
+          </a:effectRef>
+          <a:fontRef idx="minor">
+            <a:schemeClr val="lt1"/>
+          </a:fontRef>
+        </p:style>
+        <p:txBody>
+          <a:bodyPr rtlCol="0" anchor="ctr"/>
+          <a:lstStyle/>
+          <a:p>
+            <a:pPr algn="ctr"/>
+            <a:endParaRPr lang="en-US"/>
+          </a:p>
+        </p:txBody>
+      </p:sp>
+      <p:sp>
+        <p:nvSpPr>
+          <p:cNvPr id="40" name="TextBox 39">
+            <a:extLst>
+              <a:ext uri="{FF2B5EF4-FFF2-40B4-BE49-F238E27FC236}">
+                <a16:creationId xmlns:a16="http://schemas.microsoft.com/office/drawing/2014/main" id="{8F2C2736-2179-5A4B-BB50-9C5CBCAECABA}"/>
+              </a:ext>
+            </a:extLst>
+          </p:cNvPr>
+          <p:cNvSpPr txBox="1"/>
+          <p:nvPr/>
+        </p:nvSpPr>
+        <p:spPr>
+          <a:xfrm>
+            <a:off x="9144322" y="3841505"/>
+            <a:ext cx="1977269" cy="415498"/>
+          </a:xfrm>
+          <a:prstGeom prst="rect">
+            <a:avLst/>
+          </a:prstGeom>
+          <a:noFill/>
+        </p:spPr>
+        <p:txBody>
+          <a:bodyPr wrap="square" rtlCol="0">
+            <a:spAutoFit/>
+          </a:bodyPr>
+          <a:lstStyle/>
+          <a:p>
+            <a:pPr algn="ctr"/>
+            <a:r>
+              <a:rPr lang="en-US" sz="1050" dirty="0"/>
+              <a:t>Soil Sensor</a:t>
+            </a:r>
+          </a:p>
+          <a:p>
+            <a:pPr algn="ctr"/>
+            <a:r>
+              <a:rPr lang="en-US" sz="1050" dirty="0"/>
+              <a:t> Microcontroller</a:t>
             </a:r>
           </a:p>
         </p:txBody>
